--- a/posts/2023-05-19-updating-gptstudio/ppt.pptx
+++ b/posts/2023-05-19-updating-gptstudio/ppt.pptx
@@ -9,6 +9,7 @@
     <p:sldId id="257" r:id="rId3"/>
     <p:sldId id="258" r:id="rId4"/>
     <p:sldId id="259" r:id="rId5"/>
+    <p:sldId id="260" r:id="rId6"/>
   </p:sldIdLst>
   <p:sldSz cx="12192000" cy="6858000"/>
   <p:notesSz cx="6858000" cy="9144000"/>
@@ -107,6 +108,11 @@
       </a:defRPr>
     </a:lvl9pPr>
   </p:defaultTextStyle>
+  <p:extLst>
+    <p:ext uri="{EFAFB233-063F-42B5-8137-9DF3F51BA10A}">
+      <p15:sldGuideLst xmlns:p15="http://schemas.microsoft.com/office/powerpoint/2012/main"/>
+    </p:ext>
+  </p:extLst>
 </p:presentation>
 </file>
 
@@ -259,7 +265,7 @@
           <a:p>
             <a:fld id="{93C2FF70-AEEE-4255-92AC-A951DB415386}" type="datetimeFigureOut">
               <a:rPr lang="es-PE" smtClean="0"/>
-              <a:t>31/05/2023</a:t>
+              <a:t>1/06/2023</a:t>
             </a:fld>
             <a:endParaRPr lang="es-PE"/>
           </a:p>
@@ -459,7 +465,7 @@
           <a:p>
             <a:fld id="{93C2FF70-AEEE-4255-92AC-A951DB415386}" type="datetimeFigureOut">
               <a:rPr lang="es-PE" smtClean="0"/>
-              <a:t>31/05/2023</a:t>
+              <a:t>1/06/2023</a:t>
             </a:fld>
             <a:endParaRPr lang="es-PE"/>
           </a:p>
@@ -669,7 +675,7 @@
           <a:p>
             <a:fld id="{93C2FF70-AEEE-4255-92AC-A951DB415386}" type="datetimeFigureOut">
               <a:rPr lang="es-PE" smtClean="0"/>
-              <a:t>31/05/2023</a:t>
+              <a:t>1/06/2023</a:t>
             </a:fld>
             <a:endParaRPr lang="es-PE"/>
           </a:p>
@@ -869,7 +875,7 @@
           <a:p>
             <a:fld id="{93C2FF70-AEEE-4255-92AC-A951DB415386}" type="datetimeFigureOut">
               <a:rPr lang="es-PE" smtClean="0"/>
-              <a:t>31/05/2023</a:t>
+              <a:t>1/06/2023</a:t>
             </a:fld>
             <a:endParaRPr lang="es-PE"/>
           </a:p>
@@ -1145,7 +1151,7 @@
           <a:p>
             <a:fld id="{93C2FF70-AEEE-4255-92AC-A951DB415386}" type="datetimeFigureOut">
               <a:rPr lang="es-PE" smtClean="0"/>
-              <a:t>31/05/2023</a:t>
+              <a:t>1/06/2023</a:t>
             </a:fld>
             <a:endParaRPr lang="es-PE"/>
           </a:p>
@@ -1413,7 +1419,7 @@
           <a:p>
             <a:fld id="{93C2FF70-AEEE-4255-92AC-A951DB415386}" type="datetimeFigureOut">
               <a:rPr lang="es-PE" smtClean="0"/>
-              <a:t>31/05/2023</a:t>
+              <a:t>1/06/2023</a:t>
             </a:fld>
             <a:endParaRPr lang="es-PE"/>
           </a:p>
@@ -1828,7 +1834,7 @@
           <a:p>
             <a:fld id="{93C2FF70-AEEE-4255-92AC-A951DB415386}" type="datetimeFigureOut">
               <a:rPr lang="es-PE" smtClean="0"/>
-              <a:t>31/05/2023</a:t>
+              <a:t>1/06/2023</a:t>
             </a:fld>
             <a:endParaRPr lang="es-PE"/>
           </a:p>
@@ -1970,7 +1976,7 @@
           <a:p>
             <a:fld id="{93C2FF70-AEEE-4255-92AC-A951DB415386}" type="datetimeFigureOut">
               <a:rPr lang="es-PE" smtClean="0"/>
-              <a:t>31/05/2023</a:t>
+              <a:t>1/06/2023</a:t>
             </a:fld>
             <a:endParaRPr lang="es-PE"/>
           </a:p>
@@ -2083,7 +2089,7 @@
           <a:p>
             <a:fld id="{93C2FF70-AEEE-4255-92AC-A951DB415386}" type="datetimeFigureOut">
               <a:rPr lang="es-PE" smtClean="0"/>
-              <a:t>31/05/2023</a:t>
+              <a:t>1/06/2023</a:t>
             </a:fld>
             <a:endParaRPr lang="es-PE"/>
           </a:p>
@@ -2396,7 +2402,7 @@
           <a:p>
             <a:fld id="{93C2FF70-AEEE-4255-92AC-A951DB415386}" type="datetimeFigureOut">
               <a:rPr lang="es-PE" smtClean="0"/>
-              <a:t>31/05/2023</a:t>
+              <a:t>1/06/2023</a:t>
             </a:fld>
             <a:endParaRPr lang="es-PE"/>
           </a:p>
@@ -2685,7 +2691,7 @@
           <a:p>
             <a:fld id="{93C2FF70-AEEE-4255-92AC-A951DB415386}" type="datetimeFigureOut">
               <a:rPr lang="es-PE" smtClean="0"/>
-              <a:t>31/05/2023</a:t>
+              <a:t>1/06/2023</a:t>
             </a:fld>
             <a:endParaRPr lang="es-PE"/>
           </a:p>
@@ -2928,7 +2934,7 @@
           <a:p>
             <a:fld id="{93C2FF70-AEEE-4255-92AC-A951DB415386}" type="datetimeFigureOut">
               <a:rPr lang="es-PE" smtClean="0"/>
-              <a:t>31/05/2023</a:t>
+              <a:t>1/06/2023</a:t>
             </a:fld>
             <a:endParaRPr lang="es-PE"/>
           </a:p>
@@ -8045,6 +8051,58 @@
       </p:grpSpPr>
       <p:sp>
         <p:nvSpPr>
+          <p:cNvPr id="29" name="Rectángulo 28">
+            <a:extLst>
+              <a:ext uri="{FF2B5EF4-FFF2-40B4-BE49-F238E27FC236}">
+                <a16:creationId xmlns:a16="http://schemas.microsoft.com/office/drawing/2014/main" id="{7603C82F-F810-F8E3-C62B-7CAEF0CD5719}"/>
+              </a:ext>
+            </a:extLst>
+          </p:cNvPr>
+          <p:cNvSpPr/>
+          <p:nvPr/>
+        </p:nvSpPr>
+        <p:spPr>
+          <a:xfrm>
+            <a:off x="2836905" y="1410789"/>
+            <a:ext cx="6225893" cy="2724891"/>
+          </a:xfrm>
+          <a:prstGeom prst="rect">
+            <a:avLst/>
+          </a:prstGeom>
+          <a:solidFill>
+            <a:srgbClr val="FFF5D5"/>
+          </a:solidFill>
+          <a:ln>
+            <a:prstDash val="dash"/>
+          </a:ln>
+        </p:spPr>
+        <p:style>
+          <a:lnRef idx="2">
+            <a:schemeClr val="accent1">
+              <a:shade val="50000"/>
+            </a:schemeClr>
+          </a:lnRef>
+          <a:fillRef idx="1">
+            <a:schemeClr val="accent1"/>
+          </a:fillRef>
+          <a:effectRef idx="0">
+            <a:schemeClr val="accent1"/>
+          </a:effectRef>
+          <a:fontRef idx="minor">
+            <a:schemeClr val="lt1"/>
+          </a:fontRef>
+        </p:style>
+        <p:txBody>
+          <a:bodyPr rtlCol="0" anchor="ctr"/>
+          <a:lstStyle/>
+          <a:p>
+            <a:pPr algn="ctr"/>
+            <a:endParaRPr lang="es-PE" dirty="0"/>
+          </a:p>
+        </p:txBody>
+      </p:sp>
+      <p:sp>
+        <p:nvSpPr>
           <p:cNvPr id="5" name="Diagrama de flujo: terminador 4">
             <a:extLst>
               <a:ext uri="{FF2B5EF4-FFF2-40B4-BE49-F238E27FC236}">
@@ -8057,7 +8115,7 @@
         </p:nvSpPr>
         <p:spPr>
           <a:xfrm>
-            <a:off x="1637580" y="1838378"/>
+            <a:off x="638605" y="1873214"/>
             <a:ext cx="914400" cy="301752"/>
           </a:xfrm>
           <a:prstGeom prst="flowChartTerminator">
@@ -8118,7 +8176,7 @@
         </p:nvSpPr>
         <p:spPr>
           <a:xfrm>
-            <a:off x="1555629" y="2423036"/>
+            <a:off x="556654" y="2457872"/>
             <a:ext cx="1078302" cy="554850"/>
           </a:xfrm>
           <a:prstGeom prst="flowChartInputOutput">
@@ -8182,23 +8240,21 @@
         </p:nvSpPr>
         <p:spPr>
           <a:xfrm>
-            <a:off x="3973902" y="2394137"/>
-            <a:ext cx="1207698" cy="612648"/>
+            <a:off x="3416523" y="2494602"/>
+            <a:ext cx="1000272" cy="469516"/>
           </a:xfrm>
           <a:prstGeom prst="flowChartAlternateProcess">
             <a:avLst/>
           </a:prstGeom>
-          <a:pattFill prst="dkHorz">
-            <a:fgClr>
-              <a:schemeClr val="accent4">
-                <a:lumMod val="40000"/>
-                <a:lumOff val="60000"/>
-              </a:schemeClr>
-            </a:fgClr>
-            <a:bgClr>
-              <a:schemeClr val="bg1"/>
-            </a:bgClr>
-          </a:pattFill>
+          <a:solidFill>
+            <a:schemeClr val="accent4">
+              <a:lumMod val="40000"/>
+              <a:lumOff val="60000"/>
+            </a:schemeClr>
+          </a:solidFill>
+          <a:ln>
+            <a:prstDash val="solid"/>
+          </a:ln>
         </p:spPr>
         <p:style>
           <a:lnRef idx="2">
@@ -8222,22 +8278,46 @@
           <a:p>
             <a:pPr algn="ctr"/>
             <a:r>
-              <a:rPr lang="es-MX" sz="1400" dirty="0" err="1">
+              <a:rPr lang="es-MX" sz="1100" dirty="0" err="1">
                 <a:solidFill>
                   <a:schemeClr val="tx1"/>
                 </a:solidFill>
               </a:rPr>
-              <a:t>ask_chatgpt</a:t>
-            </a:r>
-            <a:r>
-              <a:rPr lang="es-MX" sz="1400" dirty="0">
+              <a:t>Accumulate</a:t>
+            </a:r>
+            <a:r>
+              <a:rPr lang="es-MX" sz="1100" dirty="0">
                 <a:solidFill>
                   <a:schemeClr val="tx1"/>
                 </a:solidFill>
               </a:rPr>
-              <a:t>()</a:t>
-            </a:r>
-            <a:endParaRPr lang="es-PE" sz="1400" dirty="0">
+              <a:t> </a:t>
+            </a:r>
+            <a:r>
+              <a:rPr lang="es-MX" sz="1100" dirty="0" err="1">
+                <a:solidFill>
+                  <a:schemeClr val="tx1"/>
+                </a:solidFill>
+              </a:rPr>
+              <a:t>chunk</a:t>
+            </a:r>
+            <a:r>
+              <a:rPr lang="es-MX" sz="1100" dirty="0">
+                <a:solidFill>
+                  <a:schemeClr val="tx1"/>
+                </a:solidFill>
+              </a:rPr>
+              <a:t> </a:t>
+            </a:r>
+            <a:r>
+              <a:rPr lang="es-MX" sz="1100" dirty="0" err="1">
+                <a:solidFill>
+                  <a:schemeClr val="tx1"/>
+                </a:solidFill>
+              </a:rPr>
+              <a:t>content</a:t>
+            </a:r>
+            <a:endParaRPr lang="es-PE" sz="1100" dirty="0">
               <a:solidFill>
                 <a:schemeClr val="tx1"/>
               </a:solidFill>
@@ -8259,8 +8339,8 @@
         </p:nvSpPr>
         <p:spPr>
           <a:xfrm>
-            <a:off x="5494815" y="2394137"/>
-            <a:ext cx="1207698" cy="612648"/>
+            <a:off x="4780597" y="2500920"/>
+            <a:ext cx="1207698" cy="456880"/>
           </a:xfrm>
           <a:prstGeom prst="flowChartAlternateProcess">
             <a:avLst/>
@@ -8294,7 +8374,7 @@
           <a:p>
             <a:pPr algn="ctr"/>
             <a:r>
-              <a:rPr lang="es-MX" sz="1400" dirty="0">
+              <a:rPr lang="es-MX" sz="1100" dirty="0">
                 <a:solidFill>
                   <a:schemeClr val="tx1"/>
                 </a:solidFill>
@@ -8302,7 +8382,7 @@
               <a:t>Render </a:t>
             </a:r>
             <a:r>
-              <a:rPr lang="es-MX" sz="1400" dirty="0" err="1">
+              <a:rPr lang="es-MX" sz="1100" dirty="0" err="1">
                 <a:solidFill>
                   <a:schemeClr val="tx1"/>
                 </a:solidFill>
@@ -8310,14 +8390,14 @@
               <a:t>to</a:t>
             </a:r>
             <a:r>
-              <a:rPr lang="es-MX" sz="1400" dirty="0">
+              <a:rPr lang="es-MX" sz="1100" dirty="0">
                 <a:solidFill>
                   <a:schemeClr val="tx1"/>
                 </a:solidFill>
               </a:rPr>
               <a:t> HTML</a:t>
             </a:r>
-            <a:endParaRPr lang="es-PE" sz="1400" dirty="0">
+            <a:endParaRPr lang="es-PE" sz="1100" dirty="0">
               <a:solidFill>
                 <a:schemeClr val="tx1"/>
               </a:solidFill>
@@ -8339,7 +8419,7 @@
         </p:nvSpPr>
         <p:spPr>
           <a:xfrm>
-            <a:off x="8773276" y="3380219"/>
+            <a:off x="9317277" y="3380219"/>
             <a:ext cx="914400" cy="301752"/>
           </a:xfrm>
           <a:prstGeom prst="flowChartTerminator">
@@ -8400,7 +8480,7 @@
         </p:nvSpPr>
         <p:spPr>
           <a:xfrm>
-            <a:off x="2698629" y="2423036"/>
+            <a:off x="1699654" y="2457872"/>
             <a:ext cx="1078302" cy="554850"/>
           </a:xfrm>
           <a:prstGeom prst="flowChartInputOutput">
@@ -8464,8 +8544,8 @@
         </p:nvSpPr>
         <p:spPr>
           <a:xfrm>
-            <a:off x="4114081" y="3205361"/>
-            <a:ext cx="927339" cy="554850"/>
+            <a:off x="3513871" y="3116867"/>
+            <a:ext cx="805576" cy="449064"/>
           </a:xfrm>
           <a:prstGeom prst="flowChartDocument">
             <a:avLst/>
@@ -8499,14 +8579,14 @@
           <a:p>
             <a:pPr algn="ctr"/>
             <a:r>
-              <a:rPr lang="es-MX" sz="1400" dirty="0" err="1">
+              <a:rPr lang="es-MX" sz="1100" dirty="0" err="1">
                 <a:solidFill>
                   <a:schemeClr val="tx1"/>
                 </a:solidFill>
               </a:rPr>
               <a:t>markdown</a:t>
             </a:r>
-            <a:endParaRPr lang="es-PE" sz="1400" dirty="0">
+            <a:endParaRPr lang="es-PE" sz="1100" dirty="0">
               <a:solidFill>
                 <a:schemeClr val="tx1"/>
               </a:solidFill>
@@ -8531,7 +8611,7 @@
         </p:nvCxnSpPr>
         <p:spPr>
           <a:xfrm>
-            <a:off x="2526101" y="2700461"/>
+            <a:off x="1527126" y="2735297"/>
             <a:ext cx="280358" cy="0"/>
           </a:xfrm>
           <a:prstGeom prst="straightConnector1">
@@ -8566,15 +8646,16 @@
             </a:extLst>
           </p:cNvPr>
           <p:cNvCxnSpPr>
+            <a:cxnSpLocks/>
             <a:stCxn id="49" idx="5"/>
             <a:endCxn id="8" idx="1"/>
           </p:cNvCxnSpPr>
           <p:nvPr/>
         </p:nvCxnSpPr>
         <p:spPr>
-          <a:xfrm>
-            <a:off x="3669101" y="2700461"/>
-            <a:ext cx="304801" cy="0"/>
+          <a:xfrm flipV="1">
+            <a:off x="2670126" y="2729360"/>
+            <a:ext cx="746397" cy="5937"/>
           </a:xfrm>
           <a:prstGeom prst="straightConnector1">
             <a:avLst/>
@@ -8616,8 +8697,8 @@
         </p:nvCxnSpPr>
         <p:spPr>
           <a:xfrm>
-            <a:off x="4577751" y="3006785"/>
-            <a:ext cx="0" cy="198576"/>
+            <a:off x="3916659" y="2964118"/>
+            <a:ext cx="0" cy="152749"/>
           </a:xfrm>
           <a:prstGeom prst="straightConnector1">
             <a:avLst/>
@@ -8655,7 +8736,7 @@
         </p:nvSpPr>
         <p:spPr>
           <a:xfrm>
-            <a:off x="1669110" y="3315395"/>
+            <a:off x="670135" y="3350231"/>
             <a:ext cx="259881" cy="169790"/>
           </a:xfrm>
           <a:prstGeom prst="flowChartInputOutput">
@@ -8711,7 +8792,7 @@
         </p:nvSpPr>
         <p:spPr>
           <a:xfrm>
-            <a:off x="1659874" y="3598178"/>
+            <a:off x="660899" y="3633014"/>
             <a:ext cx="269117" cy="169790"/>
           </a:xfrm>
           <a:prstGeom prst="flowChartAlternateProcess">
@@ -8767,7 +8848,7 @@
         </p:nvSpPr>
         <p:spPr>
           <a:xfrm>
-            <a:off x="1669110" y="4162784"/>
+            <a:off x="670135" y="4197620"/>
             <a:ext cx="259881" cy="169790"/>
           </a:xfrm>
           <a:prstGeom prst="flowChartDocument">
@@ -8823,7 +8904,7 @@
         </p:nvSpPr>
         <p:spPr>
           <a:xfrm>
-            <a:off x="1928991" y="3269485"/>
+            <a:off x="930016" y="3304321"/>
             <a:ext cx="487634" cy="261610"/>
           </a:xfrm>
           <a:prstGeom prst="rect">
@@ -8859,7 +8940,7 @@
         </p:nvSpPr>
         <p:spPr>
           <a:xfrm>
-            <a:off x="1928991" y="3575223"/>
+            <a:off x="930016" y="3610059"/>
             <a:ext cx="705642" cy="253916"/>
           </a:xfrm>
           <a:prstGeom prst="rect">
@@ -8899,7 +8980,7 @@
         </p:nvSpPr>
         <p:spPr>
           <a:xfrm>
-            <a:off x="1928991" y="4100844"/>
+            <a:off x="930016" y="4135680"/>
             <a:ext cx="881973" cy="253916"/>
           </a:xfrm>
           <a:prstGeom prst="rect">
@@ -8943,7 +9024,7 @@
         </p:nvSpPr>
         <p:spPr>
           <a:xfrm>
-            <a:off x="1568862" y="3214948"/>
+            <a:off x="569887" y="3249784"/>
             <a:ext cx="1237597" cy="1236979"/>
           </a:xfrm>
           <a:prstGeom prst="rect">
@@ -8993,7 +9074,7 @@
         </p:nvCxnSpPr>
         <p:spPr>
           <a:xfrm>
-            <a:off x="2094780" y="2140130"/>
+            <a:off x="1095805" y="2174966"/>
             <a:ext cx="0" cy="282906"/>
           </a:xfrm>
           <a:prstGeom prst="straightConnector1">
@@ -9028,6 +9109,7 @@
             </a:extLst>
           </p:cNvPr>
           <p:cNvCxnSpPr>
+            <a:cxnSpLocks/>
             <a:stCxn id="52" idx="3"/>
             <a:endCxn id="11" idx="1"/>
           </p:cNvCxnSpPr>
@@ -9035,11 +9117,13 @@
         </p:nvCxnSpPr>
         <p:spPr>
           <a:xfrm flipV="1">
-            <a:off x="5041420" y="2700461"/>
-            <a:ext cx="453395" cy="782325"/>
+            <a:off x="4319447" y="2729360"/>
+            <a:ext cx="461150" cy="612039"/>
           </a:xfrm>
           <a:prstGeom prst="bentConnector3">
-            <a:avLst/>
+            <a:avLst>
+              <a:gd name="adj1" fmla="val 50000"/>
+            </a:avLst>
           </a:prstGeom>
           <a:ln>
             <a:tailEnd type="triangle"/>
@@ -9074,8 +9158,8 @@
         </p:nvSpPr>
         <p:spPr>
           <a:xfrm>
-            <a:off x="5634994" y="3206326"/>
-            <a:ext cx="927339" cy="554850"/>
+            <a:off x="4920776" y="3186240"/>
+            <a:ext cx="927339" cy="456880"/>
           </a:xfrm>
           <a:prstGeom prst="flowChartDocument">
             <a:avLst/>
@@ -9109,14 +9193,14 @@
           <a:p>
             <a:pPr algn="ctr"/>
             <a:r>
-              <a:rPr lang="es-MX" sz="1400" dirty="0">
+              <a:rPr lang="es-MX" sz="1100" dirty="0">
                 <a:solidFill>
                   <a:schemeClr val="tx1"/>
                 </a:solidFill>
               </a:rPr>
               <a:t>HTML</a:t>
             </a:r>
-            <a:endParaRPr lang="es-PE" sz="1400" dirty="0">
+            <a:endParaRPr lang="es-PE" sz="1100" dirty="0">
               <a:solidFill>
                 <a:schemeClr val="tx1"/>
               </a:solidFill>
@@ -9134,6 +9218,7 @@
             </a:extLst>
           </p:cNvPr>
           <p:cNvCxnSpPr>
+            <a:cxnSpLocks/>
             <a:stCxn id="11" idx="2"/>
             <a:endCxn id="107" idx="0"/>
           </p:cNvCxnSpPr>
@@ -9141,8 +9226,8 @@
         </p:nvCxnSpPr>
         <p:spPr>
           <a:xfrm>
-            <a:off x="6098664" y="3006785"/>
-            <a:ext cx="0" cy="199541"/>
+            <a:off x="5384446" y="2957800"/>
+            <a:ext cx="0" cy="228440"/>
           </a:xfrm>
           <a:prstGeom prst="straightConnector1">
             <a:avLst/>
@@ -9180,8 +9265,8 @@
         </p:nvSpPr>
         <p:spPr>
           <a:xfrm>
-            <a:off x="7060721" y="2394137"/>
-            <a:ext cx="1207698" cy="612648"/>
+            <a:off x="6265020" y="2500920"/>
+            <a:ext cx="1207698" cy="456880"/>
           </a:xfrm>
           <a:prstGeom prst="flowChartAlternateProcess">
             <a:avLst/>
@@ -9215,12 +9300,103 @@
           <a:p>
             <a:pPr algn="ctr"/>
             <a:r>
+              <a:rPr lang="es-MX" sz="1100" dirty="0" err="1">
+                <a:solidFill>
+                  <a:schemeClr val="tx1"/>
+                </a:solidFill>
+              </a:rPr>
+              <a:t>Send</a:t>
+            </a:r>
+            <a:r>
+              <a:rPr lang="es-MX" sz="1100" dirty="0">
+                <a:solidFill>
+                  <a:schemeClr val="tx1"/>
+                </a:solidFill>
+              </a:rPr>
+              <a:t> </a:t>
+            </a:r>
+            <a:r>
+              <a:rPr lang="es-MX" sz="1100" dirty="0" err="1">
+                <a:solidFill>
+                  <a:schemeClr val="tx1"/>
+                </a:solidFill>
+              </a:rPr>
+              <a:t>to</a:t>
+            </a:r>
+            <a:r>
+              <a:rPr lang="es-MX" sz="1100" dirty="0">
+                <a:solidFill>
+                  <a:schemeClr val="tx1"/>
+                </a:solidFill>
+              </a:rPr>
+              <a:t> browser</a:t>
+            </a:r>
+            <a:endParaRPr lang="es-PE" sz="1100" dirty="0">
+              <a:solidFill>
+                <a:schemeClr val="tx1"/>
+              </a:solidFill>
+            </a:endParaRPr>
+          </a:p>
+        </p:txBody>
+      </p:sp>
+      <p:sp>
+        <p:nvSpPr>
+          <p:cNvPr id="2" name="Diagrama de flujo: proceso alternativo 1">
+            <a:extLst>
+              <a:ext uri="{FF2B5EF4-FFF2-40B4-BE49-F238E27FC236}">
+                <a16:creationId xmlns:a16="http://schemas.microsoft.com/office/drawing/2014/main" id="{DDE2FDD4-4850-A5B1-C5BB-9572DAD8C7D4}"/>
+              </a:ext>
+            </a:extLst>
+          </p:cNvPr>
+          <p:cNvSpPr/>
+          <p:nvPr/>
+        </p:nvSpPr>
+        <p:spPr>
+          <a:xfrm>
+            <a:off x="9170628" y="2420264"/>
+            <a:ext cx="1207698" cy="612648"/>
+          </a:xfrm>
+          <a:prstGeom prst="flowChartAlternateProcess">
+            <a:avLst/>
+          </a:prstGeom>
+          <a:solidFill>
+            <a:schemeClr val="accent6">
+              <a:lumMod val="40000"/>
+              <a:lumOff val="60000"/>
+            </a:schemeClr>
+          </a:solidFill>
+          <a:ln>
+            <a:prstDash val="solid"/>
+          </a:ln>
+        </p:spPr>
+        <p:style>
+          <a:lnRef idx="2">
+            <a:schemeClr val="accent1">
+              <a:shade val="50000"/>
+            </a:schemeClr>
+          </a:lnRef>
+          <a:fillRef idx="1">
+            <a:schemeClr val="accent1"/>
+          </a:fillRef>
+          <a:effectRef idx="0">
+            <a:schemeClr val="accent1"/>
+          </a:effectRef>
+          <a:fontRef idx="minor">
+            <a:schemeClr val="lt1"/>
+          </a:fontRef>
+        </p:style>
+        <p:txBody>
+          <a:bodyPr lIns="0" tIns="0" rIns="0" bIns="0" rtlCol="0" anchor="ctr"/>
+          <a:lstStyle/>
+          <a:p>
+            <a:pPr algn="ctr"/>
+            <a:r>
               <a:rPr lang="es-MX" sz="1400" dirty="0" err="1">
                 <a:solidFill>
                   <a:schemeClr val="tx1"/>
                 </a:solidFill>
               </a:rPr>
-              <a:t>Send</a:t>
+              <a:t>Add</a:t>
             </a:r>
             <a:r>
               <a:rPr lang="es-MX" sz="1400" dirty="0">
@@ -9236,82 +9412,7 @@
                   <a:schemeClr val="tx1"/>
                 </a:solidFill>
               </a:rPr>
-              <a:t>to</a:t>
-            </a:r>
-            <a:r>
-              <a:rPr lang="es-MX" sz="1400" dirty="0">
-                <a:solidFill>
-                  <a:schemeClr val="tx1"/>
-                </a:solidFill>
-              </a:rPr>
-              <a:t> browser</a:t>
-            </a:r>
-            <a:endParaRPr lang="es-PE" sz="1400" dirty="0">
-              <a:solidFill>
-                <a:schemeClr val="tx1"/>
-              </a:solidFill>
-            </a:endParaRPr>
-          </a:p>
-        </p:txBody>
-      </p:sp>
-      <p:sp>
-        <p:nvSpPr>
-          <p:cNvPr id="2" name="Diagrama de flujo: proceso alternativo 1">
-            <a:extLst>
-              <a:ext uri="{FF2B5EF4-FFF2-40B4-BE49-F238E27FC236}">
-                <a16:creationId xmlns:a16="http://schemas.microsoft.com/office/drawing/2014/main" id="{DDE2FDD4-4850-A5B1-C5BB-9572DAD8C7D4}"/>
-              </a:ext>
-            </a:extLst>
-          </p:cNvPr>
-          <p:cNvSpPr/>
-          <p:nvPr/>
-        </p:nvSpPr>
-        <p:spPr>
-          <a:xfrm>
-            <a:off x="8626627" y="2394137"/>
-            <a:ext cx="1207698" cy="612648"/>
-          </a:xfrm>
-          <a:prstGeom prst="flowChartAlternateProcess">
-            <a:avLst/>
-          </a:prstGeom>
-          <a:solidFill>
-            <a:schemeClr val="accent6">
-              <a:lumMod val="40000"/>
-              <a:lumOff val="60000"/>
-            </a:schemeClr>
-          </a:solidFill>
-          <a:ln>
-            <a:prstDash val="dash"/>
-          </a:ln>
-        </p:spPr>
-        <p:style>
-          <a:lnRef idx="2">
-            <a:schemeClr val="accent1">
-              <a:shade val="50000"/>
-            </a:schemeClr>
-          </a:lnRef>
-          <a:fillRef idx="1">
-            <a:schemeClr val="accent1"/>
-          </a:fillRef>
-          <a:effectRef idx="0">
-            <a:schemeClr val="accent1"/>
-          </a:effectRef>
-          <a:fontRef idx="minor">
-            <a:schemeClr val="lt1"/>
-          </a:fontRef>
-        </p:style>
-        <p:txBody>
-          <a:bodyPr lIns="0" tIns="0" rIns="0" bIns="0" rtlCol="0" anchor="ctr"/>
-          <a:lstStyle/>
-          <a:p>
-            <a:pPr algn="ctr"/>
-            <a:r>
-              <a:rPr lang="es-MX" sz="1400" dirty="0" err="1">
-                <a:solidFill>
-                  <a:schemeClr val="tx1"/>
-                </a:solidFill>
-              </a:rPr>
-              <a:t>Add</a:t>
+              <a:t>copy</a:t>
             </a:r>
             <a:r>
               <a:rPr lang="es-MX" sz="1400" dirty="0">
@@ -9327,22 +9428,6 @@
                   <a:schemeClr val="tx1"/>
                 </a:solidFill>
               </a:rPr>
-              <a:t>copy</a:t>
-            </a:r>
-            <a:r>
-              <a:rPr lang="es-MX" sz="1400" dirty="0">
-                <a:solidFill>
-                  <a:schemeClr val="tx1"/>
-                </a:solidFill>
-              </a:rPr>
-              <a:t> </a:t>
-            </a:r>
-            <a:r>
-              <a:rPr lang="es-MX" sz="1400" dirty="0" err="1">
-                <a:solidFill>
-                  <a:schemeClr val="tx1"/>
-                </a:solidFill>
-              </a:rPr>
               <a:t>button</a:t>
             </a:r>
             <a:endParaRPr lang="es-PE" sz="1400" dirty="0">
@@ -9363,6 +9448,7 @@
             </a:extLst>
           </p:cNvPr>
           <p:cNvCxnSpPr>
+            <a:cxnSpLocks/>
             <a:stCxn id="107" idx="3"/>
             <a:endCxn id="4" idx="1"/>
           </p:cNvCxnSpPr>
@@ -9370,53 +9456,13 @@
         </p:nvCxnSpPr>
         <p:spPr>
           <a:xfrm flipV="1">
-            <a:off x="6562333" y="2700461"/>
-            <a:ext cx="498388" cy="783290"/>
+            <a:off x="5848115" y="2729360"/>
+            <a:ext cx="416905" cy="685320"/>
           </a:xfrm>
           <a:prstGeom prst="bentConnector3">
-            <a:avLst/>
-          </a:prstGeom>
-          <a:ln>
-            <a:tailEnd type="triangle"/>
-          </a:ln>
-        </p:spPr>
-        <p:style>
-          <a:lnRef idx="1">
-            <a:schemeClr val="accent1"/>
-          </a:lnRef>
-          <a:fillRef idx="0">
-            <a:schemeClr val="accent1"/>
-          </a:fillRef>
-          <a:effectRef idx="0">
-            <a:schemeClr val="accent1"/>
-          </a:effectRef>
-          <a:fontRef idx="minor">
-            <a:schemeClr val="tx1"/>
-          </a:fontRef>
-        </p:style>
-      </p:cxnSp>
-      <p:cxnSp>
-        <p:nvCxnSpPr>
-          <p:cNvPr id="10" name="Conector recto de flecha 9">
-            <a:extLst>
-              <a:ext uri="{FF2B5EF4-FFF2-40B4-BE49-F238E27FC236}">
-                <a16:creationId xmlns:a16="http://schemas.microsoft.com/office/drawing/2014/main" id="{4C51C70D-0702-2017-A078-34F7A6ED0499}"/>
-              </a:ext>
-            </a:extLst>
-          </p:cNvPr>
-          <p:cNvCxnSpPr>
-            <a:stCxn id="4" idx="3"/>
-            <a:endCxn id="2" idx="1"/>
-          </p:cNvCxnSpPr>
-          <p:nvPr/>
-        </p:nvCxnSpPr>
-        <p:spPr>
-          <a:xfrm>
-            <a:off x="8268419" y="2700461"/>
-            <a:ext cx="358208" cy="0"/>
-          </a:xfrm>
-          <a:prstGeom prst="straightConnector1">
-            <a:avLst/>
+            <a:avLst>
+              <a:gd name="adj1" fmla="val 50000"/>
+            </a:avLst>
           </a:prstGeom>
           <a:ln>
             <a:tailEnd type="triangle"/>
@@ -9454,8 +9500,8 @@
         </p:nvCxnSpPr>
         <p:spPr>
           <a:xfrm>
-            <a:off x="9230476" y="3006785"/>
-            <a:ext cx="0" cy="373434"/>
+            <a:off x="9774477" y="3032912"/>
+            <a:ext cx="0" cy="347307"/>
           </a:xfrm>
           <a:prstGeom prst="straightConnector1">
             <a:avLst/>
@@ -9493,7 +9539,7 @@
         </p:nvSpPr>
         <p:spPr>
           <a:xfrm>
-            <a:off x="1659874" y="3854626"/>
+            <a:off x="660899" y="3889462"/>
             <a:ext cx="269117" cy="169790"/>
           </a:xfrm>
           <a:prstGeom prst="flowChartAlternateProcess">
@@ -9549,7 +9595,7 @@
         </p:nvSpPr>
         <p:spPr>
           <a:xfrm>
-            <a:off x="1928991" y="3831671"/>
+            <a:off x="930016" y="3866507"/>
             <a:ext cx="737702" cy="253916"/>
           </a:xfrm>
           <a:prstGeom prst="rect">
@@ -9572,6 +9618,459 @@
               <a:t>Process</a:t>
             </a:r>
             <a:endParaRPr lang="es-PE" sz="1050" dirty="0"/>
+          </a:p>
+        </p:txBody>
+      </p:sp>
+      <p:sp>
+        <p:nvSpPr>
+          <p:cNvPr id="18" name="Diagrama de flujo: decisión 17">
+            <a:extLst>
+              <a:ext uri="{FF2B5EF4-FFF2-40B4-BE49-F238E27FC236}">
+                <a16:creationId xmlns:a16="http://schemas.microsoft.com/office/drawing/2014/main" id="{16007256-E357-2DD3-CFB4-2FF52A40F550}"/>
+              </a:ext>
+            </a:extLst>
+          </p:cNvPr>
+          <p:cNvSpPr/>
+          <p:nvPr/>
+        </p:nvSpPr>
+        <p:spPr>
+          <a:xfrm>
+            <a:off x="7718980" y="2347592"/>
+            <a:ext cx="1048616" cy="763536"/>
+          </a:xfrm>
+          <a:prstGeom prst="flowChartDecision">
+            <a:avLst/>
+          </a:prstGeom>
+          <a:solidFill>
+            <a:schemeClr val="accent2">
+              <a:lumMod val="40000"/>
+              <a:lumOff val="60000"/>
+            </a:schemeClr>
+          </a:solidFill>
+        </p:spPr>
+        <p:style>
+          <a:lnRef idx="2">
+            <a:schemeClr val="accent1">
+              <a:shade val="50000"/>
+            </a:schemeClr>
+          </a:lnRef>
+          <a:fillRef idx="1">
+            <a:schemeClr val="accent1"/>
+          </a:fillRef>
+          <a:effectRef idx="0">
+            <a:schemeClr val="accent1"/>
+          </a:effectRef>
+          <a:fontRef idx="minor">
+            <a:schemeClr val="lt1"/>
+          </a:fontRef>
+        </p:style>
+        <p:txBody>
+          <a:bodyPr lIns="0" tIns="0" rIns="0" bIns="0" rtlCol="0" anchor="ctr"/>
+          <a:lstStyle/>
+          <a:p>
+            <a:pPr algn="ctr"/>
+            <a:r>
+              <a:rPr lang="es-MX" sz="1050" dirty="0" err="1">
+                <a:solidFill>
+                  <a:schemeClr val="tx1"/>
+                </a:solidFill>
+              </a:rPr>
+              <a:t>Did</a:t>
+            </a:r>
+            <a:r>
+              <a:rPr lang="es-MX" sz="1050" dirty="0">
+                <a:solidFill>
+                  <a:schemeClr val="tx1"/>
+                </a:solidFill>
+              </a:rPr>
+              <a:t> </a:t>
+            </a:r>
+            <a:r>
+              <a:rPr lang="es-MX" sz="1050" dirty="0" err="1">
+                <a:solidFill>
+                  <a:schemeClr val="tx1"/>
+                </a:solidFill>
+              </a:rPr>
+              <a:t>the</a:t>
+            </a:r>
+            <a:r>
+              <a:rPr lang="es-MX" sz="1050" dirty="0">
+                <a:solidFill>
+                  <a:schemeClr val="tx1"/>
+                </a:solidFill>
+              </a:rPr>
+              <a:t> </a:t>
+            </a:r>
+            <a:r>
+              <a:rPr lang="es-MX" sz="1050" dirty="0" err="1">
+                <a:solidFill>
+                  <a:schemeClr val="tx1"/>
+                </a:solidFill>
+              </a:rPr>
+              <a:t>stream</a:t>
+            </a:r>
+            <a:r>
+              <a:rPr lang="es-MX" sz="1050" dirty="0">
+                <a:solidFill>
+                  <a:schemeClr val="tx1"/>
+                </a:solidFill>
+              </a:rPr>
+              <a:t> </a:t>
+            </a:r>
+            <a:r>
+              <a:rPr lang="es-MX" sz="1050" dirty="0" err="1">
+                <a:solidFill>
+                  <a:schemeClr val="tx1"/>
+                </a:solidFill>
+              </a:rPr>
+              <a:t>end</a:t>
+            </a:r>
+            <a:r>
+              <a:rPr lang="es-MX" sz="1050" dirty="0">
+                <a:solidFill>
+                  <a:schemeClr val="tx1"/>
+                </a:solidFill>
+              </a:rPr>
+              <a:t>?</a:t>
+            </a:r>
+            <a:endParaRPr lang="es-PE" sz="1050" dirty="0">
+              <a:solidFill>
+                <a:schemeClr val="tx1"/>
+              </a:solidFill>
+            </a:endParaRPr>
+          </a:p>
+        </p:txBody>
+      </p:sp>
+      <p:cxnSp>
+        <p:nvCxnSpPr>
+          <p:cNvPr id="23" name="Conector recto de flecha 22">
+            <a:extLst>
+              <a:ext uri="{FF2B5EF4-FFF2-40B4-BE49-F238E27FC236}">
+                <a16:creationId xmlns:a16="http://schemas.microsoft.com/office/drawing/2014/main" id="{EC8693EC-1936-7168-F98E-1D16D285FF19}"/>
+              </a:ext>
+            </a:extLst>
+          </p:cNvPr>
+          <p:cNvCxnSpPr>
+            <a:cxnSpLocks/>
+            <a:stCxn id="4" idx="3"/>
+            <a:endCxn id="18" idx="1"/>
+          </p:cNvCxnSpPr>
+          <p:nvPr/>
+        </p:nvCxnSpPr>
+        <p:spPr>
+          <a:xfrm>
+            <a:off x="7472718" y="2729360"/>
+            <a:ext cx="246262" cy="0"/>
+          </a:xfrm>
+          <a:prstGeom prst="straightConnector1">
+            <a:avLst/>
+          </a:prstGeom>
+          <a:ln>
+            <a:tailEnd type="triangle"/>
+          </a:ln>
+        </p:spPr>
+        <p:style>
+          <a:lnRef idx="1">
+            <a:schemeClr val="accent1"/>
+          </a:lnRef>
+          <a:fillRef idx="0">
+            <a:schemeClr val="accent1"/>
+          </a:fillRef>
+          <a:effectRef idx="0">
+            <a:schemeClr val="accent1"/>
+          </a:effectRef>
+          <a:fontRef idx="minor">
+            <a:schemeClr val="tx1"/>
+          </a:fontRef>
+        </p:style>
+      </p:cxnSp>
+      <p:cxnSp>
+        <p:nvCxnSpPr>
+          <p:cNvPr id="25" name="Conector recto de flecha 24">
+            <a:extLst>
+              <a:ext uri="{FF2B5EF4-FFF2-40B4-BE49-F238E27FC236}">
+                <a16:creationId xmlns:a16="http://schemas.microsoft.com/office/drawing/2014/main" id="{0BA2B8B5-0DCA-9049-81EC-619142FB37E4}"/>
+              </a:ext>
+            </a:extLst>
+          </p:cNvPr>
+          <p:cNvCxnSpPr>
+            <a:cxnSpLocks/>
+            <a:stCxn id="18" idx="3"/>
+            <a:endCxn id="2" idx="1"/>
+          </p:cNvCxnSpPr>
+          <p:nvPr/>
+        </p:nvCxnSpPr>
+        <p:spPr>
+          <a:xfrm flipV="1">
+            <a:off x="8767596" y="2726588"/>
+            <a:ext cx="403032" cy="2772"/>
+          </a:xfrm>
+          <a:prstGeom prst="straightConnector1">
+            <a:avLst/>
+          </a:prstGeom>
+          <a:ln>
+            <a:tailEnd type="triangle"/>
+          </a:ln>
+        </p:spPr>
+        <p:style>
+          <a:lnRef idx="1">
+            <a:schemeClr val="accent1"/>
+          </a:lnRef>
+          <a:fillRef idx="0">
+            <a:schemeClr val="accent1"/>
+          </a:fillRef>
+          <a:effectRef idx="0">
+            <a:schemeClr val="accent1"/>
+          </a:effectRef>
+          <a:fontRef idx="minor">
+            <a:schemeClr val="tx1"/>
+          </a:fontRef>
+        </p:style>
+      </p:cxnSp>
+      <p:cxnSp>
+        <p:nvCxnSpPr>
+          <p:cNvPr id="27" name="Conector: angular 26">
+            <a:extLst>
+              <a:ext uri="{FF2B5EF4-FFF2-40B4-BE49-F238E27FC236}">
+                <a16:creationId xmlns:a16="http://schemas.microsoft.com/office/drawing/2014/main" id="{8AF8C1C5-F741-1B6A-C20F-BE08FF1B8C86}"/>
+              </a:ext>
+            </a:extLst>
+          </p:cNvPr>
+          <p:cNvCxnSpPr>
+            <a:cxnSpLocks/>
+            <a:stCxn id="18" idx="0"/>
+            <a:endCxn id="8" idx="0"/>
+          </p:cNvCxnSpPr>
+          <p:nvPr/>
+        </p:nvCxnSpPr>
+        <p:spPr>
+          <a:xfrm rot="16200000" flipH="1" flipV="1">
+            <a:off x="6006469" y="257782"/>
+            <a:ext cx="147010" cy="4326629"/>
+          </a:xfrm>
+          <a:prstGeom prst="bentConnector3">
+            <a:avLst>
+              <a:gd name="adj1" fmla="val -155500"/>
+            </a:avLst>
+          </a:prstGeom>
+          <a:ln>
+            <a:tailEnd type="triangle"/>
+          </a:ln>
+        </p:spPr>
+        <p:style>
+          <a:lnRef idx="1">
+            <a:schemeClr val="accent1"/>
+          </a:lnRef>
+          <a:fillRef idx="0">
+            <a:schemeClr val="accent1"/>
+          </a:fillRef>
+          <a:effectRef idx="0">
+            <a:schemeClr val="accent1"/>
+          </a:effectRef>
+          <a:fontRef idx="minor">
+            <a:schemeClr val="tx1"/>
+          </a:fontRef>
+        </p:style>
+      </p:cxnSp>
+      <p:sp>
+        <p:nvSpPr>
+          <p:cNvPr id="30" name="CuadroTexto 29">
+            <a:extLst>
+              <a:ext uri="{FF2B5EF4-FFF2-40B4-BE49-F238E27FC236}">
+                <a16:creationId xmlns:a16="http://schemas.microsoft.com/office/drawing/2014/main" id="{C9B7EFEC-D915-935D-9C08-01C4D4398527}"/>
+              </a:ext>
+            </a:extLst>
+          </p:cNvPr>
+          <p:cNvSpPr txBox="1"/>
+          <p:nvPr/>
+        </p:nvSpPr>
+        <p:spPr>
+          <a:xfrm>
+            <a:off x="2863026" y="1397805"/>
+            <a:ext cx="1447448" cy="307777"/>
+          </a:xfrm>
+          <a:prstGeom prst="rect">
+            <a:avLst/>
+          </a:prstGeom>
+          <a:noFill/>
+        </p:spPr>
+        <p:txBody>
+          <a:bodyPr wrap="none" rtlCol="0">
+            <a:spAutoFit/>
+          </a:bodyPr>
+          <a:lstStyle/>
+          <a:p>
+            <a:r>
+              <a:rPr lang="es-MX" sz="1400" dirty="0" err="1"/>
+              <a:t>stream_chatgpt</a:t>
+            </a:r>
+            <a:r>
+              <a:rPr lang="es-MX" sz="1400" dirty="0"/>
+              <a:t>()</a:t>
+            </a:r>
+            <a:endParaRPr lang="es-PE" sz="1400" dirty="0"/>
+          </a:p>
+        </p:txBody>
+      </p:sp>
+      <p:sp>
+        <p:nvSpPr>
+          <p:cNvPr id="31" name="CuadroTexto 30">
+            <a:extLst>
+              <a:ext uri="{FF2B5EF4-FFF2-40B4-BE49-F238E27FC236}">
+                <a16:creationId xmlns:a16="http://schemas.microsoft.com/office/drawing/2014/main" id="{4ECD7877-2228-B1F5-CDA0-7668852681EB}"/>
+              </a:ext>
+            </a:extLst>
+          </p:cNvPr>
+          <p:cNvSpPr txBox="1"/>
+          <p:nvPr/>
+        </p:nvSpPr>
+        <p:spPr>
+          <a:xfrm>
+            <a:off x="8199222" y="2132015"/>
+            <a:ext cx="349776" cy="261610"/>
+          </a:xfrm>
+          <a:prstGeom prst="rect">
+            <a:avLst/>
+          </a:prstGeom>
+          <a:noFill/>
+        </p:spPr>
+        <p:txBody>
+          <a:bodyPr wrap="none" rtlCol="0">
+            <a:spAutoFit/>
+          </a:bodyPr>
+          <a:lstStyle/>
+          <a:p>
+            <a:r>
+              <a:rPr lang="es-MX" sz="1100" dirty="0"/>
+              <a:t>No</a:t>
+            </a:r>
+            <a:endParaRPr lang="es-PE" sz="1100" dirty="0"/>
+          </a:p>
+        </p:txBody>
+      </p:sp>
+      <p:sp>
+        <p:nvSpPr>
+          <p:cNvPr id="32" name="CuadroTexto 31">
+            <a:extLst>
+              <a:ext uri="{FF2B5EF4-FFF2-40B4-BE49-F238E27FC236}">
+                <a16:creationId xmlns:a16="http://schemas.microsoft.com/office/drawing/2014/main" id="{6D382010-D536-0CA0-4604-5363A310F5CD}"/>
+              </a:ext>
+            </a:extLst>
+          </p:cNvPr>
+          <p:cNvSpPr txBox="1"/>
+          <p:nvPr/>
+        </p:nvSpPr>
+        <p:spPr>
+          <a:xfrm>
+            <a:off x="8708647" y="2494602"/>
+            <a:ext cx="378630" cy="261610"/>
+          </a:xfrm>
+          <a:prstGeom prst="rect">
+            <a:avLst/>
+          </a:prstGeom>
+          <a:noFill/>
+        </p:spPr>
+        <p:txBody>
+          <a:bodyPr wrap="none" rtlCol="0">
+            <a:spAutoFit/>
+          </a:bodyPr>
+          <a:lstStyle/>
+          <a:p>
+            <a:r>
+              <a:rPr lang="es-MX" sz="1100" dirty="0"/>
+              <a:t>Yes</a:t>
+            </a:r>
+            <a:endParaRPr lang="es-PE" sz="1100" dirty="0"/>
+          </a:p>
+        </p:txBody>
+      </p:sp>
+      <p:sp>
+        <p:nvSpPr>
+          <p:cNvPr id="92" name="Rectángulo 91">
+            <a:extLst>
+              <a:ext uri="{FF2B5EF4-FFF2-40B4-BE49-F238E27FC236}">
+                <a16:creationId xmlns:a16="http://schemas.microsoft.com/office/drawing/2014/main" id="{346875BE-C2C2-0AED-F07F-F4C066AEB62C}"/>
+              </a:ext>
+            </a:extLst>
+          </p:cNvPr>
+          <p:cNvSpPr/>
+          <p:nvPr/>
+        </p:nvSpPr>
+        <p:spPr>
+          <a:xfrm>
+            <a:off x="2989306" y="1786452"/>
+            <a:ext cx="5954398" cy="2210782"/>
+          </a:xfrm>
+          <a:prstGeom prst="rect">
+            <a:avLst/>
+          </a:prstGeom>
+          <a:noFill/>
+          <a:ln>
+            <a:prstDash val="dash"/>
+          </a:ln>
+        </p:spPr>
+        <p:style>
+          <a:lnRef idx="2">
+            <a:schemeClr val="accent1">
+              <a:shade val="50000"/>
+            </a:schemeClr>
+          </a:lnRef>
+          <a:fillRef idx="1">
+            <a:schemeClr val="accent1"/>
+          </a:fillRef>
+          <a:effectRef idx="0">
+            <a:schemeClr val="accent1"/>
+          </a:effectRef>
+          <a:fontRef idx="minor">
+            <a:schemeClr val="lt1"/>
+          </a:fontRef>
+        </p:style>
+        <p:txBody>
+          <a:bodyPr rtlCol="0" anchor="ctr"/>
+          <a:lstStyle/>
+          <a:p>
+            <a:pPr algn="ctr"/>
+            <a:endParaRPr lang="es-PE" dirty="0"/>
+          </a:p>
+        </p:txBody>
+      </p:sp>
+      <p:sp>
+        <p:nvSpPr>
+          <p:cNvPr id="93" name="CuadroTexto 92">
+            <a:extLst>
+              <a:ext uri="{FF2B5EF4-FFF2-40B4-BE49-F238E27FC236}">
+                <a16:creationId xmlns:a16="http://schemas.microsoft.com/office/drawing/2014/main" id="{F29AFA9D-C977-3C58-DBF4-F72DBD41F100}"/>
+              </a:ext>
+            </a:extLst>
+          </p:cNvPr>
+          <p:cNvSpPr txBox="1"/>
+          <p:nvPr/>
+        </p:nvSpPr>
+        <p:spPr>
+          <a:xfrm>
+            <a:off x="3043324" y="1797903"/>
+            <a:ext cx="1623393" cy="307777"/>
+          </a:xfrm>
+          <a:prstGeom prst="rect">
+            <a:avLst/>
+          </a:prstGeom>
+          <a:noFill/>
+        </p:spPr>
+        <p:txBody>
+          <a:bodyPr wrap="none" rtlCol="0">
+            <a:spAutoFit/>
+          </a:bodyPr>
+          <a:lstStyle/>
+          <a:p>
+            <a:r>
+              <a:rPr lang="es-MX" sz="1400" dirty="0" err="1"/>
+              <a:t>curl_fetch_stream</a:t>
+            </a:r>
+            <a:r>
+              <a:rPr lang="es-MX" sz="1400" dirty="0"/>
+              <a:t>()</a:t>
+            </a:r>
+            <a:endParaRPr lang="es-PE" sz="1400" dirty="0"/>
           </a:p>
         </p:txBody>
       </p:sp>
@@ -9579,6 +10078,846 @@
     <p:extLst>
       <p:ext uri="{BB962C8B-B14F-4D97-AF65-F5344CB8AC3E}">
         <p14:creationId xmlns:p14="http://schemas.microsoft.com/office/powerpoint/2010/main" val="1586083458"/>
+      </p:ext>
+    </p:extLst>
+  </p:cSld>
+  <p:clrMapOvr>
+    <a:masterClrMapping/>
+  </p:clrMapOvr>
+</p:sld>
+</file>
+
+<file path=ppt/slides/slide5.xml><?xml version="1.0" encoding="utf-8"?>
+<p:sld xmlns:a="http://schemas.openxmlformats.org/drawingml/2006/main" xmlns:r="http://schemas.openxmlformats.org/officeDocument/2006/relationships" xmlns:p="http://schemas.openxmlformats.org/presentationml/2006/main">
+  <p:cSld>
+    <p:spTree>
+      <p:nvGrpSpPr>
+        <p:cNvPr id="1" name=""/>
+        <p:cNvGrpSpPr/>
+        <p:nvPr/>
+      </p:nvGrpSpPr>
+      <p:grpSpPr>
+        <a:xfrm>
+          <a:off x="0" y="0"/>
+          <a:ext cx="0" cy="0"/>
+          <a:chOff x="0" y="0"/>
+          <a:chExt cx="0" cy="0"/>
+        </a:xfrm>
+      </p:grpSpPr>
+      <p:sp>
+        <p:nvSpPr>
+          <p:cNvPr id="4" name="Diagrama de flujo: conector fuera de página 3">
+            <a:extLst>
+              <a:ext uri="{FF2B5EF4-FFF2-40B4-BE49-F238E27FC236}">
+                <a16:creationId xmlns:a16="http://schemas.microsoft.com/office/drawing/2014/main" id="{A69D7572-CC31-3EA3-8AA4-982AB15F3B90}"/>
+              </a:ext>
+            </a:extLst>
+          </p:cNvPr>
+          <p:cNvSpPr/>
+          <p:nvPr/>
+        </p:nvSpPr>
+        <p:spPr>
+          <a:xfrm rot="16200000">
+            <a:off x="2415397" y="1017916"/>
+            <a:ext cx="569341" cy="1242202"/>
+          </a:xfrm>
+          <a:prstGeom prst="flowChartOffpageConnector">
+            <a:avLst/>
+          </a:prstGeom>
+          <a:solidFill>
+            <a:srgbClr val="B8CD9D"/>
+          </a:solidFill>
+          <a:ln w="28575">
+            <a:solidFill>
+              <a:schemeClr val="tx1"/>
+            </a:solidFill>
+          </a:ln>
+        </p:spPr>
+        <p:style>
+          <a:lnRef idx="2">
+            <a:schemeClr val="accent1">
+              <a:shade val="50000"/>
+            </a:schemeClr>
+          </a:lnRef>
+          <a:fillRef idx="1">
+            <a:schemeClr val="accent1"/>
+          </a:fillRef>
+          <a:effectRef idx="0">
+            <a:schemeClr val="accent1"/>
+          </a:effectRef>
+          <a:fontRef idx="minor">
+            <a:schemeClr val="lt1"/>
+          </a:fontRef>
+        </p:style>
+        <p:txBody>
+          <a:bodyPr vert="vert" rtlCol="0" anchor="ctr"/>
+          <a:lstStyle/>
+          <a:p>
+            <a:r>
+              <a:rPr lang="es-MX" dirty="0" err="1">
+                <a:solidFill>
+                  <a:schemeClr val="tx1"/>
+                </a:solidFill>
+                <a:latin typeface="Lucida Console" panose="020B0609040504020204" pitchFamily="49" charset="0"/>
+              </a:rPr>
+              <a:t>prompt</a:t>
+            </a:r>
+            <a:endParaRPr lang="es-PE" dirty="0">
+              <a:solidFill>
+                <a:schemeClr val="tx1"/>
+              </a:solidFill>
+              <a:latin typeface="Lucida Console" panose="020B0609040504020204" pitchFamily="49" charset="0"/>
+            </a:endParaRPr>
+          </a:p>
+        </p:txBody>
+      </p:sp>
+      <p:sp>
+        <p:nvSpPr>
+          <p:cNvPr id="5" name="Diagrama de flujo: conector fuera de página 4">
+            <a:extLst>
+              <a:ext uri="{FF2B5EF4-FFF2-40B4-BE49-F238E27FC236}">
+                <a16:creationId xmlns:a16="http://schemas.microsoft.com/office/drawing/2014/main" id="{85343CF4-D87A-F492-27D2-532FA835582D}"/>
+              </a:ext>
+            </a:extLst>
+          </p:cNvPr>
+          <p:cNvSpPr/>
+          <p:nvPr/>
+        </p:nvSpPr>
+        <p:spPr>
+          <a:xfrm rot="16200000">
+            <a:off x="2415397" y="2122099"/>
+            <a:ext cx="569344" cy="1242202"/>
+          </a:xfrm>
+          <a:prstGeom prst="flowChartOffpageConnector">
+            <a:avLst/>
+          </a:prstGeom>
+          <a:solidFill>
+            <a:srgbClr val="B8CD9D"/>
+          </a:solidFill>
+          <a:ln w="28575">
+            <a:solidFill>
+              <a:schemeClr val="tx1"/>
+            </a:solidFill>
+          </a:ln>
+        </p:spPr>
+        <p:style>
+          <a:lnRef idx="2">
+            <a:schemeClr val="accent1">
+              <a:shade val="50000"/>
+            </a:schemeClr>
+          </a:lnRef>
+          <a:fillRef idx="1">
+            <a:schemeClr val="accent1"/>
+          </a:fillRef>
+          <a:effectRef idx="0">
+            <a:schemeClr val="accent1"/>
+          </a:effectRef>
+          <a:fontRef idx="minor">
+            <a:schemeClr val="lt1"/>
+          </a:fontRef>
+        </p:style>
+        <p:txBody>
+          <a:bodyPr vert="vert" rtlCol="0" anchor="ctr"/>
+          <a:lstStyle/>
+          <a:p>
+            <a:r>
+              <a:rPr lang="es-MX" dirty="0" err="1">
+                <a:solidFill>
+                  <a:schemeClr val="tx1"/>
+                </a:solidFill>
+                <a:latin typeface="Lucida Console" panose="020B0609040504020204" pitchFamily="49" charset="0"/>
+              </a:rPr>
+              <a:t>send</a:t>
+            </a:r>
+            <a:endParaRPr lang="es-PE" dirty="0">
+              <a:solidFill>
+                <a:schemeClr val="tx1"/>
+              </a:solidFill>
+              <a:latin typeface="Lucida Console" panose="020B0609040504020204" pitchFamily="49" charset="0"/>
+            </a:endParaRPr>
+          </a:p>
+        </p:txBody>
+      </p:sp>
+      <p:sp>
+        <p:nvSpPr>
+          <p:cNvPr id="10" name="Forma libre: forma 9">
+            <a:extLst>
+              <a:ext uri="{FF2B5EF4-FFF2-40B4-BE49-F238E27FC236}">
+                <a16:creationId xmlns:a16="http://schemas.microsoft.com/office/drawing/2014/main" id="{CADAA70A-B1F4-FAC9-002E-7936C3D66AE8}"/>
+              </a:ext>
+            </a:extLst>
+          </p:cNvPr>
+          <p:cNvSpPr/>
+          <p:nvPr/>
+        </p:nvSpPr>
+        <p:spPr>
+          <a:xfrm>
+            <a:off x="4767675" y="1354346"/>
+            <a:ext cx="1626775" cy="569342"/>
+          </a:xfrm>
+          <a:custGeom>
+            <a:avLst/>
+            <a:gdLst>
+              <a:gd name="connsiteX0" fmla="*/ 11032 w 1845911"/>
+              <a:gd name="connsiteY0" fmla="*/ 0 h 569342"/>
+              <a:gd name="connsiteX1" fmla="*/ 1845911 w 1845911"/>
+              <a:gd name="connsiteY1" fmla="*/ 0 h 569342"/>
+              <a:gd name="connsiteX2" fmla="*/ 1845911 w 1845911"/>
+              <a:gd name="connsiteY2" fmla="*/ 569342 h 569342"/>
+              <a:gd name="connsiteX3" fmla="*/ 0 w 1845911"/>
+              <a:gd name="connsiteY3" fmla="*/ 569342 h 569342"/>
+              <a:gd name="connsiteX4" fmla="*/ 290187 w 1845911"/>
+              <a:gd name="connsiteY4" fmla="*/ 279155 h 569342"/>
+            </a:gdLst>
+            <a:ahLst/>
+            <a:cxnLst>
+              <a:cxn ang="0">
+                <a:pos x="connsiteX0" y="connsiteY0"/>
+              </a:cxn>
+              <a:cxn ang="0">
+                <a:pos x="connsiteX1" y="connsiteY1"/>
+              </a:cxn>
+              <a:cxn ang="0">
+                <a:pos x="connsiteX2" y="connsiteY2"/>
+              </a:cxn>
+              <a:cxn ang="0">
+                <a:pos x="connsiteX3" y="connsiteY3"/>
+              </a:cxn>
+              <a:cxn ang="0">
+                <a:pos x="connsiteX4" y="connsiteY4"/>
+              </a:cxn>
+            </a:cxnLst>
+            <a:rect l="l" t="t" r="r" b="b"/>
+            <a:pathLst>
+              <a:path w="1845911" h="569342">
+                <a:moveTo>
+                  <a:pt x="11032" y="0"/>
+                </a:moveTo>
+                <a:lnTo>
+                  <a:pt x="1845911" y="0"/>
+                </a:lnTo>
+                <a:lnTo>
+                  <a:pt x="1845911" y="569342"/>
+                </a:lnTo>
+                <a:lnTo>
+                  <a:pt x="0" y="569342"/>
+                </a:lnTo>
+                <a:lnTo>
+                  <a:pt x="290187" y="279155"/>
+                </a:lnTo>
+                <a:close/>
+              </a:path>
+            </a:pathLst>
+          </a:custGeom>
+          <a:solidFill>
+            <a:srgbClr val="B8CD9D"/>
+          </a:solidFill>
+          <a:ln w="28575">
+            <a:solidFill>
+              <a:schemeClr val="tx1"/>
+            </a:solidFill>
+          </a:ln>
+        </p:spPr>
+        <p:style>
+          <a:lnRef idx="2">
+            <a:schemeClr val="accent1">
+              <a:shade val="50000"/>
+            </a:schemeClr>
+          </a:lnRef>
+          <a:fillRef idx="1">
+            <a:schemeClr val="accent1"/>
+          </a:fillRef>
+          <a:effectRef idx="0">
+            <a:schemeClr val="accent1"/>
+          </a:effectRef>
+          <a:fontRef idx="minor">
+            <a:schemeClr val="lt1"/>
+          </a:fontRef>
+        </p:style>
+        <p:txBody>
+          <a:bodyPr wrap="square" rtlCol="0" anchor="ctr">
+            <a:noAutofit/>
+          </a:bodyPr>
+          <a:lstStyle/>
+          <a:p>
+            <a:pPr algn="r"/>
+            <a:r>
+              <a:rPr lang="es-MX" dirty="0">
+                <a:solidFill>
+                  <a:schemeClr val="tx1"/>
+                </a:solidFill>
+                <a:latin typeface="Lucida Console" panose="020B0609040504020204" pitchFamily="49" charset="0"/>
+              </a:rPr>
+              <a:t>response</a:t>
+            </a:r>
+            <a:endParaRPr lang="es-PE" dirty="0">
+              <a:solidFill>
+                <a:schemeClr val="tx1"/>
+              </a:solidFill>
+              <a:latin typeface="Lucida Console" panose="020B0609040504020204" pitchFamily="49" charset="0"/>
+            </a:endParaRPr>
+          </a:p>
+        </p:txBody>
+      </p:sp>
+      <p:sp>
+        <p:nvSpPr>
+          <p:cNvPr id="11" name="Forma libre: forma 10">
+            <a:extLst>
+              <a:ext uri="{FF2B5EF4-FFF2-40B4-BE49-F238E27FC236}">
+                <a16:creationId xmlns:a16="http://schemas.microsoft.com/office/drawing/2014/main" id="{160071C2-14AC-523D-570B-A268FC1BA37D}"/>
+              </a:ext>
+            </a:extLst>
+          </p:cNvPr>
+          <p:cNvSpPr/>
+          <p:nvPr/>
+        </p:nvSpPr>
+        <p:spPr>
+          <a:xfrm>
+            <a:off x="4767675" y="2458527"/>
+            <a:ext cx="1626775" cy="569342"/>
+          </a:xfrm>
+          <a:custGeom>
+            <a:avLst/>
+            <a:gdLst>
+              <a:gd name="connsiteX0" fmla="*/ 11032 w 1845911"/>
+              <a:gd name="connsiteY0" fmla="*/ 0 h 569342"/>
+              <a:gd name="connsiteX1" fmla="*/ 1845911 w 1845911"/>
+              <a:gd name="connsiteY1" fmla="*/ 0 h 569342"/>
+              <a:gd name="connsiteX2" fmla="*/ 1845911 w 1845911"/>
+              <a:gd name="connsiteY2" fmla="*/ 569342 h 569342"/>
+              <a:gd name="connsiteX3" fmla="*/ 0 w 1845911"/>
+              <a:gd name="connsiteY3" fmla="*/ 569342 h 569342"/>
+              <a:gd name="connsiteX4" fmla="*/ 290187 w 1845911"/>
+              <a:gd name="connsiteY4" fmla="*/ 279155 h 569342"/>
+            </a:gdLst>
+            <a:ahLst/>
+            <a:cxnLst>
+              <a:cxn ang="0">
+                <a:pos x="connsiteX0" y="connsiteY0"/>
+              </a:cxn>
+              <a:cxn ang="0">
+                <a:pos x="connsiteX1" y="connsiteY1"/>
+              </a:cxn>
+              <a:cxn ang="0">
+                <a:pos x="connsiteX2" y="connsiteY2"/>
+              </a:cxn>
+              <a:cxn ang="0">
+                <a:pos x="connsiteX3" y="connsiteY3"/>
+              </a:cxn>
+              <a:cxn ang="0">
+                <a:pos x="connsiteX4" y="connsiteY4"/>
+              </a:cxn>
+            </a:cxnLst>
+            <a:rect l="l" t="t" r="r" b="b"/>
+            <a:pathLst>
+              <a:path w="1845911" h="569342">
+                <a:moveTo>
+                  <a:pt x="11032" y="0"/>
+                </a:moveTo>
+                <a:lnTo>
+                  <a:pt x="1845911" y="0"/>
+                </a:lnTo>
+                <a:lnTo>
+                  <a:pt x="1845911" y="569342"/>
+                </a:lnTo>
+                <a:lnTo>
+                  <a:pt x="0" y="569342"/>
+                </a:lnTo>
+                <a:lnTo>
+                  <a:pt x="290187" y="279155"/>
+                </a:lnTo>
+                <a:close/>
+              </a:path>
+            </a:pathLst>
+          </a:custGeom>
+          <a:solidFill>
+            <a:srgbClr val="B8CD9D"/>
+          </a:solidFill>
+          <a:ln w="28575">
+            <a:solidFill>
+              <a:schemeClr val="tx1"/>
+            </a:solidFill>
+          </a:ln>
+        </p:spPr>
+        <p:style>
+          <a:lnRef idx="2">
+            <a:schemeClr val="accent1">
+              <a:shade val="50000"/>
+            </a:schemeClr>
+          </a:lnRef>
+          <a:fillRef idx="1">
+            <a:schemeClr val="accent1"/>
+          </a:fillRef>
+          <a:effectRef idx="0">
+            <a:schemeClr val="accent1"/>
+          </a:effectRef>
+          <a:fontRef idx="minor">
+            <a:schemeClr val="lt1"/>
+          </a:fontRef>
+        </p:style>
+        <p:txBody>
+          <a:bodyPr wrap="square" rtlCol="0" anchor="ctr">
+            <a:noAutofit/>
+          </a:bodyPr>
+          <a:lstStyle/>
+          <a:p>
+            <a:pPr algn="r"/>
+            <a:endParaRPr lang="es-PE" dirty="0">
+              <a:solidFill>
+                <a:schemeClr val="tx1"/>
+              </a:solidFill>
+              <a:latin typeface="Lucida Console" panose="020B0609040504020204" pitchFamily="49" charset="0"/>
+            </a:endParaRPr>
+          </a:p>
+        </p:txBody>
+      </p:sp>
+      <p:cxnSp>
+        <p:nvCxnSpPr>
+          <p:cNvPr id="13" name="Conector recto de flecha 12">
+            <a:extLst>
+              <a:ext uri="{FF2B5EF4-FFF2-40B4-BE49-F238E27FC236}">
+                <a16:creationId xmlns:a16="http://schemas.microsoft.com/office/drawing/2014/main" id="{578C31A6-9CE3-A0D4-8E4C-BBA9B3C88563}"/>
+              </a:ext>
+            </a:extLst>
+          </p:cNvPr>
+          <p:cNvCxnSpPr/>
+          <p:nvPr/>
+        </p:nvCxnSpPr>
+        <p:spPr>
+          <a:xfrm>
+            <a:off x="3492500" y="1639017"/>
+            <a:ext cx="1187450" cy="0"/>
+          </a:xfrm>
+          <a:prstGeom prst="straightConnector1">
+            <a:avLst/>
+          </a:prstGeom>
+          <a:ln w="38100">
+            <a:solidFill>
+              <a:schemeClr val="tx1"/>
+            </a:solidFill>
+            <a:tailEnd type="triangle"/>
+          </a:ln>
+        </p:spPr>
+        <p:style>
+          <a:lnRef idx="1">
+            <a:schemeClr val="accent1"/>
+          </a:lnRef>
+          <a:fillRef idx="0">
+            <a:schemeClr val="accent1"/>
+          </a:fillRef>
+          <a:effectRef idx="0">
+            <a:schemeClr val="accent1"/>
+          </a:effectRef>
+          <a:fontRef idx="minor">
+            <a:schemeClr val="tx1"/>
+          </a:fontRef>
+        </p:style>
+      </p:cxnSp>
+      <p:cxnSp>
+        <p:nvCxnSpPr>
+          <p:cNvPr id="14" name="Conector recto de flecha 13">
+            <a:extLst>
+              <a:ext uri="{FF2B5EF4-FFF2-40B4-BE49-F238E27FC236}">
+                <a16:creationId xmlns:a16="http://schemas.microsoft.com/office/drawing/2014/main" id="{71B3AF5A-1BAE-0947-C7C2-FE9581A6CC57}"/>
+              </a:ext>
+            </a:extLst>
+          </p:cNvPr>
+          <p:cNvCxnSpPr/>
+          <p:nvPr/>
+        </p:nvCxnSpPr>
+        <p:spPr>
+          <a:xfrm>
+            <a:off x="3492500" y="2743198"/>
+            <a:ext cx="1187450" cy="0"/>
+          </a:xfrm>
+          <a:prstGeom prst="straightConnector1">
+            <a:avLst/>
+          </a:prstGeom>
+          <a:ln w="38100">
+            <a:solidFill>
+              <a:schemeClr val="tx1"/>
+            </a:solidFill>
+            <a:tailEnd type="triangle"/>
+          </a:ln>
+        </p:spPr>
+        <p:style>
+          <a:lnRef idx="1">
+            <a:schemeClr val="accent1"/>
+          </a:lnRef>
+          <a:fillRef idx="0">
+            <a:schemeClr val="accent1"/>
+          </a:fillRef>
+          <a:effectRef idx="0">
+            <a:schemeClr val="accent1"/>
+          </a:effectRef>
+          <a:fontRef idx="minor">
+            <a:schemeClr val="tx1"/>
+          </a:fontRef>
+        </p:style>
+      </p:cxnSp>
+      <p:sp>
+        <p:nvSpPr>
+          <p:cNvPr id="15" name="Diagrama de flujo: conector fuera de página 14">
+            <a:extLst>
+              <a:ext uri="{FF2B5EF4-FFF2-40B4-BE49-F238E27FC236}">
+                <a16:creationId xmlns:a16="http://schemas.microsoft.com/office/drawing/2014/main" id="{6F7ACCBB-BB06-BC5B-E3D3-01A48CDC3349}"/>
+              </a:ext>
+            </a:extLst>
+          </p:cNvPr>
+          <p:cNvSpPr/>
+          <p:nvPr/>
+        </p:nvSpPr>
+        <p:spPr>
+          <a:xfrm rot="16200000">
+            <a:off x="6776954" y="2571531"/>
+            <a:ext cx="138622" cy="245132"/>
+          </a:xfrm>
+          <a:prstGeom prst="flowChartOffpageConnector">
+            <a:avLst/>
+          </a:prstGeom>
+          <a:solidFill>
+            <a:srgbClr val="B8CD9D"/>
+          </a:solidFill>
+          <a:ln w="12700">
+            <a:solidFill>
+              <a:schemeClr val="tx1"/>
+            </a:solidFill>
+          </a:ln>
+        </p:spPr>
+        <p:style>
+          <a:lnRef idx="2">
+            <a:schemeClr val="accent1">
+              <a:shade val="50000"/>
+            </a:schemeClr>
+          </a:lnRef>
+          <a:fillRef idx="1">
+            <a:schemeClr val="accent1"/>
+          </a:fillRef>
+          <a:effectRef idx="0">
+            <a:schemeClr val="accent1"/>
+          </a:effectRef>
+          <a:fontRef idx="minor">
+            <a:schemeClr val="lt1"/>
+          </a:fontRef>
+        </p:style>
+        <p:txBody>
+          <a:bodyPr vert="vert" rtlCol="0" anchor="ctr"/>
+          <a:lstStyle/>
+          <a:p>
+            <a:endParaRPr lang="es-PE" dirty="0">
+              <a:solidFill>
+                <a:schemeClr val="tx1"/>
+              </a:solidFill>
+              <a:latin typeface="Lucida Console" panose="020B0609040504020204" pitchFamily="49" charset="0"/>
+            </a:endParaRPr>
+          </a:p>
+        </p:txBody>
+      </p:sp>
+      <p:sp>
+        <p:nvSpPr>
+          <p:cNvPr id="16" name="Forma libre: forma 15">
+            <a:extLst>
+              <a:ext uri="{FF2B5EF4-FFF2-40B4-BE49-F238E27FC236}">
+                <a16:creationId xmlns:a16="http://schemas.microsoft.com/office/drawing/2014/main" id="{5A49133F-4CC8-7721-ADF5-CFFD2ABEAD96}"/>
+              </a:ext>
+            </a:extLst>
+          </p:cNvPr>
+          <p:cNvSpPr/>
+          <p:nvPr/>
+        </p:nvSpPr>
+        <p:spPr>
+          <a:xfrm>
+            <a:off x="6706445" y="2832680"/>
+            <a:ext cx="245132" cy="138622"/>
+          </a:xfrm>
+          <a:custGeom>
+            <a:avLst/>
+            <a:gdLst>
+              <a:gd name="connsiteX0" fmla="*/ 11032 w 1845911"/>
+              <a:gd name="connsiteY0" fmla="*/ 0 h 569342"/>
+              <a:gd name="connsiteX1" fmla="*/ 1845911 w 1845911"/>
+              <a:gd name="connsiteY1" fmla="*/ 0 h 569342"/>
+              <a:gd name="connsiteX2" fmla="*/ 1845911 w 1845911"/>
+              <a:gd name="connsiteY2" fmla="*/ 569342 h 569342"/>
+              <a:gd name="connsiteX3" fmla="*/ 0 w 1845911"/>
+              <a:gd name="connsiteY3" fmla="*/ 569342 h 569342"/>
+              <a:gd name="connsiteX4" fmla="*/ 290187 w 1845911"/>
+              <a:gd name="connsiteY4" fmla="*/ 279155 h 569342"/>
+              <a:gd name="connsiteX0" fmla="*/ 11032 w 1845911"/>
+              <a:gd name="connsiteY0" fmla="*/ 0 h 569342"/>
+              <a:gd name="connsiteX1" fmla="*/ 1845911 w 1845911"/>
+              <a:gd name="connsiteY1" fmla="*/ 0 h 569342"/>
+              <a:gd name="connsiteX2" fmla="*/ 1845911 w 1845911"/>
+              <a:gd name="connsiteY2" fmla="*/ 569342 h 569342"/>
+              <a:gd name="connsiteX3" fmla="*/ 0 w 1845911"/>
+              <a:gd name="connsiteY3" fmla="*/ 569342 h 569342"/>
+              <a:gd name="connsiteX4" fmla="*/ 541223 w 1845911"/>
+              <a:gd name="connsiteY4" fmla="*/ 298717 h 569342"/>
+              <a:gd name="connsiteX5" fmla="*/ 11032 w 1845911"/>
+              <a:gd name="connsiteY5" fmla="*/ 0 h 569342"/>
+              <a:gd name="connsiteX0" fmla="*/ 11032 w 1845911"/>
+              <a:gd name="connsiteY0" fmla="*/ 0 h 569342"/>
+              <a:gd name="connsiteX1" fmla="*/ 1845911 w 1845911"/>
+              <a:gd name="connsiteY1" fmla="*/ 0 h 569342"/>
+              <a:gd name="connsiteX2" fmla="*/ 1845911 w 1845911"/>
+              <a:gd name="connsiteY2" fmla="*/ 569342 h 569342"/>
+              <a:gd name="connsiteX3" fmla="*/ 0 w 1845911"/>
+              <a:gd name="connsiteY3" fmla="*/ 569342 h 569342"/>
+              <a:gd name="connsiteX4" fmla="*/ 541223 w 1845911"/>
+              <a:gd name="connsiteY4" fmla="*/ 298717 h 569342"/>
+              <a:gd name="connsiteX5" fmla="*/ 11032 w 1845911"/>
+              <a:gd name="connsiteY5" fmla="*/ 0 h 569342"/>
+              <a:gd name="connsiteX0" fmla="*/ 11032 w 1845911"/>
+              <a:gd name="connsiteY0" fmla="*/ 0 h 569342"/>
+              <a:gd name="connsiteX1" fmla="*/ 1845911 w 1845911"/>
+              <a:gd name="connsiteY1" fmla="*/ 0 h 569342"/>
+              <a:gd name="connsiteX2" fmla="*/ 1845911 w 1845911"/>
+              <a:gd name="connsiteY2" fmla="*/ 569342 h 569342"/>
+              <a:gd name="connsiteX3" fmla="*/ 0 w 1845911"/>
+              <a:gd name="connsiteY3" fmla="*/ 569342 h 569342"/>
+              <a:gd name="connsiteX4" fmla="*/ 541223 w 1845911"/>
+              <a:gd name="connsiteY4" fmla="*/ 298717 h 569342"/>
+              <a:gd name="connsiteX5" fmla="*/ 11032 w 1845911"/>
+              <a:gd name="connsiteY5" fmla="*/ 0 h 569342"/>
+              <a:gd name="connsiteX0" fmla="*/ 11032 w 1845911"/>
+              <a:gd name="connsiteY0" fmla="*/ 0 h 569342"/>
+              <a:gd name="connsiteX1" fmla="*/ 1845911 w 1845911"/>
+              <a:gd name="connsiteY1" fmla="*/ 0 h 569342"/>
+              <a:gd name="connsiteX2" fmla="*/ 1845911 w 1845911"/>
+              <a:gd name="connsiteY2" fmla="*/ 569342 h 569342"/>
+              <a:gd name="connsiteX3" fmla="*/ 0 w 1845911"/>
+              <a:gd name="connsiteY3" fmla="*/ 569342 h 569342"/>
+              <a:gd name="connsiteX4" fmla="*/ 541223 w 1845911"/>
+              <a:gd name="connsiteY4" fmla="*/ 298717 h 569342"/>
+              <a:gd name="connsiteX5" fmla="*/ 11032 w 1845911"/>
+              <a:gd name="connsiteY5" fmla="*/ 0 h 569342"/>
+              <a:gd name="connsiteX0" fmla="*/ 11032 w 1845911"/>
+              <a:gd name="connsiteY0" fmla="*/ 0 h 569342"/>
+              <a:gd name="connsiteX1" fmla="*/ 1845911 w 1845911"/>
+              <a:gd name="connsiteY1" fmla="*/ 0 h 569342"/>
+              <a:gd name="connsiteX2" fmla="*/ 1845911 w 1845911"/>
+              <a:gd name="connsiteY2" fmla="*/ 569342 h 569342"/>
+              <a:gd name="connsiteX3" fmla="*/ 0 w 1845911"/>
+              <a:gd name="connsiteY3" fmla="*/ 569342 h 569342"/>
+              <a:gd name="connsiteX4" fmla="*/ 541223 w 1845911"/>
+              <a:gd name="connsiteY4" fmla="*/ 298717 h 569342"/>
+              <a:gd name="connsiteX5" fmla="*/ 11032 w 1845911"/>
+              <a:gd name="connsiteY5" fmla="*/ 0 h 569342"/>
+            </a:gdLst>
+            <a:ahLst/>
+            <a:cxnLst>
+              <a:cxn ang="0">
+                <a:pos x="connsiteX0" y="connsiteY0"/>
+              </a:cxn>
+              <a:cxn ang="0">
+                <a:pos x="connsiteX1" y="connsiteY1"/>
+              </a:cxn>
+              <a:cxn ang="0">
+                <a:pos x="connsiteX2" y="connsiteY2"/>
+              </a:cxn>
+              <a:cxn ang="0">
+                <a:pos x="connsiteX3" y="connsiteY3"/>
+              </a:cxn>
+              <a:cxn ang="0">
+                <a:pos x="connsiteX4" y="connsiteY4"/>
+              </a:cxn>
+              <a:cxn ang="0">
+                <a:pos x="connsiteX5" y="connsiteY5"/>
+              </a:cxn>
+            </a:cxnLst>
+            <a:rect l="l" t="t" r="r" b="b"/>
+            <a:pathLst>
+              <a:path w="1845911" h="569342">
+                <a:moveTo>
+                  <a:pt x="11032" y="0"/>
+                </a:moveTo>
+                <a:lnTo>
+                  <a:pt x="1845911" y="0"/>
+                </a:lnTo>
+                <a:lnTo>
+                  <a:pt x="1845911" y="569342"/>
+                </a:lnTo>
+                <a:lnTo>
+                  <a:pt x="0" y="569342"/>
+                </a:lnTo>
+                <a:cubicBezTo>
+                  <a:pt x="395588" y="391112"/>
+                  <a:pt x="199424" y="467168"/>
+                  <a:pt x="541223" y="298717"/>
+                </a:cubicBezTo>
+                <a:cubicBezTo>
+                  <a:pt x="250924" y="146987"/>
+                  <a:pt x="337198" y="171293"/>
+                  <a:pt x="11032" y="0"/>
+                </a:cubicBezTo>
+                <a:close/>
+              </a:path>
+            </a:pathLst>
+          </a:custGeom>
+          <a:solidFill>
+            <a:srgbClr val="B8CD9D"/>
+          </a:solidFill>
+          <a:ln w="12700">
+            <a:solidFill>
+              <a:schemeClr val="tx1"/>
+            </a:solidFill>
+          </a:ln>
+        </p:spPr>
+        <p:style>
+          <a:lnRef idx="2">
+            <a:schemeClr val="accent1">
+              <a:shade val="50000"/>
+            </a:schemeClr>
+          </a:lnRef>
+          <a:fillRef idx="1">
+            <a:schemeClr val="accent1"/>
+          </a:fillRef>
+          <a:effectRef idx="0">
+            <a:schemeClr val="accent1"/>
+          </a:effectRef>
+          <a:fontRef idx="minor">
+            <a:schemeClr val="lt1"/>
+          </a:fontRef>
+        </p:style>
+        <p:txBody>
+          <a:bodyPr wrap="square" rtlCol="0" anchor="ctr">
+            <a:noAutofit/>
+          </a:bodyPr>
+          <a:lstStyle/>
+          <a:p>
+            <a:pPr algn="r"/>
+            <a:endParaRPr lang="es-PE" dirty="0">
+              <a:solidFill>
+                <a:schemeClr val="tx1"/>
+              </a:solidFill>
+              <a:latin typeface="Lucida Console" panose="020B0609040504020204" pitchFamily="49" charset="0"/>
+            </a:endParaRPr>
+          </a:p>
+        </p:txBody>
+      </p:sp>
+      <p:sp>
+        <p:nvSpPr>
+          <p:cNvPr id="20" name="CuadroTexto 19">
+            <a:extLst>
+              <a:ext uri="{FF2B5EF4-FFF2-40B4-BE49-F238E27FC236}">
+                <a16:creationId xmlns:a16="http://schemas.microsoft.com/office/drawing/2014/main" id="{7C46B8B5-B9D3-597A-EC4A-695869137CC4}"/>
+              </a:ext>
+            </a:extLst>
+          </p:cNvPr>
+          <p:cNvSpPr txBox="1"/>
+          <p:nvPr/>
+        </p:nvSpPr>
+        <p:spPr>
+          <a:xfrm>
+            <a:off x="6966326" y="2566915"/>
+            <a:ext cx="487634" cy="261610"/>
+          </a:xfrm>
+          <a:prstGeom prst="rect">
+            <a:avLst/>
+          </a:prstGeom>
+          <a:noFill/>
+        </p:spPr>
+        <p:txBody>
+          <a:bodyPr wrap="none" rtlCol="0">
+            <a:spAutoFit/>
+          </a:bodyPr>
+          <a:lstStyle/>
+          <a:p>
+            <a:r>
+              <a:rPr lang="es-MX" sz="1050" dirty="0"/>
+              <a:t>Input</a:t>
+            </a:r>
+            <a:endParaRPr lang="es-PE" sz="1050" dirty="0"/>
+          </a:p>
+        </p:txBody>
+      </p:sp>
+      <p:sp>
+        <p:nvSpPr>
+          <p:cNvPr id="21" name="CuadroTexto 20">
+            <a:extLst>
+              <a:ext uri="{FF2B5EF4-FFF2-40B4-BE49-F238E27FC236}">
+                <a16:creationId xmlns:a16="http://schemas.microsoft.com/office/drawing/2014/main" id="{981B4890-45BE-946A-9264-EDD9DDAF30EC}"/>
+              </a:ext>
+            </a:extLst>
+          </p:cNvPr>
+          <p:cNvSpPr txBox="1"/>
+          <p:nvPr/>
+        </p:nvSpPr>
+        <p:spPr>
+          <a:xfrm>
+            <a:off x="6966326" y="2773953"/>
+            <a:ext cx="575799" cy="253916"/>
+          </a:xfrm>
+          <a:prstGeom prst="rect">
+            <a:avLst/>
+          </a:prstGeom>
+          <a:noFill/>
+        </p:spPr>
+        <p:txBody>
+          <a:bodyPr wrap="none" rtlCol="0">
+            <a:spAutoFit/>
+          </a:bodyPr>
+          <a:lstStyle/>
+          <a:p>
+            <a:r>
+              <a:rPr lang="es-MX" sz="1050" dirty="0"/>
+              <a:t>Output</a:t>
+            </a:r>
+            <a:endParaRPr lang="es-PE" sz="1050" dirty="0"/>
+          </a:p>
+        </p:txBody>
+      </p:sp>
+      <p:sp>
+        <p:nvSpPr>
+          <p:cNvPr id="23" name="Rectángulo 22">
+            <a:extLst>
+              <a:ext uri="{FF2B5EF4-FFF2-40B4-BE49-F238E27FC236}">
+                <a16:creationId xmlns:a16="http://schemas.microsoft.com/office/drawing/2014/main" id="{F4A707AB-1282-88BE-9D21-DDDF0BEF3168}"/>
+              </a:ext>
+            </a:extLst>
+          </p:cNvPr>
+          <p:cNvSpPr/>
+          <p:nvPr/>
+        </p:nvSpPr>
+        <p:spPr>
+          <a:xfrm>
+            <a:off x="6620486" y="2566915"/>
+            <a:ext cx="893351" cy="460954"/>
+          </a:xfrm>
+          <a:prstGeom prst="rect">
+            <a:avLst/>
+          </a:prstGeom>
+          <a:noFill/>
+        </p:spPr>
+        <p:style>
+          <a:lnRef idx="2">
+            <a:schemeClr val="accent1">
+              <a:shade val="50000"/>
+            </a:schemeClr>
+          </a:lnRef>
+          <a:fillRef idx="1">
+            <a:schemeClr val="accent1"/>
+          </a:fillRef>
+          <a:effectRef idx="0">
+            <a:schemeClr val="accent1"/>
+          </a:effectRef>
+          <a:fontRef idx="minor">
+            <a:schemeClr val="lt1"/>
+          </a:fontRef>
+        </p:style>
+        <p:txBody>
+          <a:bodyPr rtlCol="0" anchor="ctr"/>
+          <a:lstStyle/>
+          <a:p>
+            <a:pPr algn="ctr"/>
+            <a:endParaRPr lang="es-PE"/>
+          </a:p>
+        </p:txBody>
+      </p:sp>
+    </p:spTree>
+    <p:extLst>
+      <p:ext uri="{BB962C8B-B14F-4D97-AF65-F5344CB8AC3E}">
+        <p14:creationId xmlns:p14="http://schemas.microsoft.com/office/powerpoint/2010/main" val="525979787"/>
       </p:ext>
     </p:extLst>
   </p:cSld>
